--- a/Docs/Favorite-Git-commands.pptx
+++ b/Docs/Favorite-Git-commands.pptx
@@ -21,6 +21,7 @@
     <p:sldId id="268" r:id="rId15"/>
     <p:sldId id="271" r:id="rId16"/>
     <p:sldId id="272" r:id="rId17"/>
+    <p:sldId id="273" r:id="rId18"/>
   </p:sldIdLst>
   <p:sldSz cx="12192000" cy="6858000"/>
   <p:notesSz cx="6858000" cy="9144000"/>
@@ -2231,7 +2232,7 @@
           <a:p>
             <a:fld id="{C9011068-F9F3-4EAE-9982-5EA814B531BB}" type="datetimeFigureOut">
               <a:rPr lang="en-US" smtClean="0"/>
-              <a:t>2023-09-20</a:t>
+              <a:t>9/20/2023</a:t>
             </a:fld>
             <a:endParaRPr lang="en-US"/>
           </a:p>
@@ -2429,7 +2430,7 @@
           <a:p>
             <a:fld id="{C9011068-F9F3-4EAE-9982-5EA814B531BB}" type="datetimeFigureOut">
               <a:rPr lang="en-US" smtClean="0"/>
-              <a:t>2023-09-20</a:t>
+              <a:t>9/20/2023</a:t>
             </a:fld>
             <a:endParaRPr lang="en-US"/>
           </a:p>
@@ -2637,7 +2638,7 @@
           <a:p>
             <a:fld id="{C9011068-F9F3-4EAE-9982-5EA814B531BB}" type="datetimeFigureOut">
               <a:rPr lang="en-US" smtClean="0"/>
-              <a:t>2023-09-20</a:t>
+              <a:t>9/20/2023</a:t>
             </a:fld>
             <a:endParaRPr lang="en-US"/>
           </a:p>
@@ -2835,7 +2836,7 @@
           <a:p>
             <a:fld id="{C9011068-F9F3-4EAE-9982-5EA814B531BB}" type="datetimeFigureOut">
               <a:rPr lang="en-US" smtClean="0"/>
-              <a:t>2023-09-20</a:t>
+              <a:t>9/20/2023</a:t>
             </a:fld>
             <a:endParaRPr lang="en-US"/>
           </a:p>
@@ -3110,7 +3111,7 @@
           <a:p>
             <a:fld id="{C9011068-F9F3-4EAE-9982-5EA814B531BB}" type="datetimeFigureOut">
               <a:rPr lang="en-US" smtClean="0"/>
-              <a:t>2023-09-20</a:t>
+              <a:t>9/20/2023</a:t>
             </a:fld>
             <a:endParaRPr lang="en-US"/>
           </a:p>
@@ -3375,7 +3376,7 @@
           <a:p>
             <a:fld id="{C9011068-F9F3-4EAE-9982-5EA814B531BB}" type="datetimeFigureOut">
               <a:rPr lang="en-US" smtClean="0"/>
-              <a:t>2023-09-20</a:t>
+              <a:t>9/20/2023</a:t>
             </a:fld>
             <a:endParaRPr lang="en-US"/>
           </a:p>
@@ -3787,7 +3788,7 @@
           <a:p>
             <a:fld id="{C9011068-F9F3-4EAE-9982-5EA814B531BB}" type="datetimeFigureOut">
               <a:rPr lang="en-US" smtClean="0"/>
-              <a:t>2023-09-20</a:t>
+              <a:t>9/20/2023</a:t>
             </a:fld>
             <a:endParaRPr lang="en-US"/>
           </a:p>
@@ -3928,7 +3929,7 @@
           <a:p>
             <a:fld id="{C9011068-F9F3-4EAE-9982-5EA814B531BB}" type="datetimeFigureOut">
               <a:rPr lang="en-US" smtClean="0"/>
-              <a:t>2023-09-20</a:t>
+              <a:t>9/20/2023</a:t>
             </a:fld>
             <a:endParaRPr lang="en-US"/>
           </a:p>
@@ -4041,7 +4042,7 @@
           <a:p>
             <a:fld id="{C9011068-F9F3-4EAE-9982-5EA814B531BB}" type="datetimeFigureOut">
               <a:rPr lang="en-US" smtClean="0"/>
-              <a:t>2023-09-20</a:t>
+              <a:t>9/20/2023</a:t>
             </a:fld>
             <a:endParaRPr lang="en-US"/>
           </a:p>
@@ -4352,7 +4353,7 @@
           <a:p>
             <a:fld id="{C9011068-F9F3-4EAE-9982-5EA814B531BB}" type="datetimeFigureOut">
               <a:rPr lang="en-US" smtClean="0"/>
-              <a:t>2023-09-20</a:t>
+              <a:t>9/20/2023</a:t>
             </a:fld>
             <a:endParaRPr lang="en-US"/>
           </a:p>
@@ -4640,7 +4641,7 @@
           <a:p>
             <a:fld id="{C9011068-F9F3-4EAE-9982-5EA814B531BB}" type="datetimeFigureOut">
               <a:rPr lang="en-US" smtClean="0"/>
-              <a:t>2023-09-20</a:t>
+              <a:t>9/20/2023</a:t>
             </a:fld>
             <a:endParaRPr lang="en-US"/>
           </a:p>
@@ -4881,7 +4882,7 @@
           <a:p>
             <a:fld id="{C9011068-F9F3-4EAE-9982-5EA814B531BB}" type="datetimeFigureOut">
               <a:rPr lang="en-US" smtClean="0"/>
-              <a:t>2023-09-20</a:t>
+              <a:t>9/20/2023</a:t>
             </a:fld>
             <a:endParaRPr lang="en-US"/>
           </a:p>
@@ -17206,9 +17207,6 @@
             <a:off x="3978561" y="783813"/>
             <a:ext cx="2019634" cy="553720"/>
           </a:xfrm>
-          <a:prstGeom prst="roundRect">
-            <a:avLst/>
-          </a:prstGeom>
           <a:gradFill flip="none" rotWithShape="1">
             <a:gsLst>
               <a:gs pos="0">
@@ -17243,15 +17241,6 @@
             <a:solidFill>
               <a:srgbClr val="0070C0"/>
             </a:solidFill>
-            <a:extLst>
-              <a:ext uri="{C807C97D-BFC1-408E-A445-0C87EB9F89A2}">
-                <ask:lineSketchStyleProps xmlns:ask="http://schemas.microsoft.com/office/drawing/2018/sketchyshapes">
-                  <ask:type>
-                    <ask:lineSketchScribble/>
-                  </ask:type>
-                </ask:lineSketchStyleProps>
-              </a:ext>
-            </a:extLst>
           </a:ln>
         </p:spPr>
         <p:style>
@@ -17352,9 +17341,6 @@
             <a:off x="6321761" y="760994"/>
             <a:ext cx="2019634" cy="553720"/>
           </a:xfrm>
-          <a:prstGeom prst="roundRect">
-            <a:avLst/>
-          </a:prstGeom>
           <a:gradFill flip="none" rotWithShape="1">
             <a:gsLst>
               <a:gs pos="0">
@@ -17389,15 +17375,6 @@
             <a:solidFill>
               <a:srgbClr val="0070C0"/>
             </a:solidFill>
-            <a:extLst>
-              <a:ext uri="{C807C97D-BFC1-408E-A445-0C87EB9F89A2}">
-                <ask:lineSketchStyleProps xmlns:ask="http://schemas.microsoft.com/office/drawing/2018/sketchyshapes">
-                  <ask:type>
-                    <ask:lineSketchScribble/>
-                  </ask:type>
-                </ask:lineSketchStyleProps>
-              </a:ext>
-            </a:extLst>
           </a:ln>
         </p:spPr>
         <p:style>
@@ -19787,6 +19764,86 @@
 </p:sld>
 </file>
 
+<file path=ppt/slides/slide17.xml><?xml version="1.0" encoding="utf-8"?>
+<p:sld xmlns:a="http://schemas.openxmlformats.org/drawingml/2006/main" xmlns:r="http://schemas.openxmlformats.org/officeDocument/2006/relationships" xmlns:p="http://schemas.openxmlformats.org/presentationml/2006/main">
+  <p:cSld>
+    <p:spTree>
+      <p:nvGrpSpPr>
+        <p:cNvPr id="1" name=""/>
+        <p:cNvGrpSpPr/>
+        <p:nvPr/>
+      </p:nvGrpSpPr>
+      <p:grpSpPr>
+        <a:xfrm>
+          <a:off x="0" y="0"/>
+          <a:ext cx="0" cy="0"/>
+          <a:chOff x="0" y="0"/>
+          <a:chExt cx="0" cy="0"/>
+        </a:xfrm>
+      </p:grpSpPr>
+      <p:sp>
+        <p:nvSpPr>
+          <p:cNvPr id="2" name="Title 1">
+            <a:extLst>
+              <a:ext uri="{FF2B5EF4-FFF2-40B4-BE49-F238E27FC236}">
+                <a16:creationId xmlns:a16="http://schemas.microsoft.com/office/drawing/2014/main" id="{8B05B0F0-902B-3F25-F865-563DD3C8006A}"/>
+              </a:ext>
+            </a:extLst>
+          </p:cNvPr>
+          <p:cNvSpPr>
+            <a:spLocks noGrp="1"/>
+          </p:cNvSpPr>
+          <p:nvPr>
+            <p:ph type="title"/>
+          </p:nvPr>
+        </p:nvSpPr>
+        <p:spPr/>
+        <p:txBody>
+          <a:bodyPr/>
+          <a:lstStyle/>
+          <a:p>
+            <a:endParaRPr lang="en-US"/>
+          </a:p>
+        </p:txBody>
+      </p:sp>
+      <p:sp>
+        <p:nvSpPr>
+          <p:cNvPr id="3" name="Content Placeholder 2">
+            <a:extLst>
+              <a:ext uri="{FF2B5EF4-FFF2-40B4-BE49-F238E27FC236}">
+                <a16:creationId xmlns:a16="http://schemas.microsoft.com/office/drawing/2014/main" id="{A7B25FEB-B3F2-8362-FB53-814A6587862C}"/>
+              </a:ext>
+            </a:extLst>
+          </p:cNvPr>
+          <p:cNvSpPr>
+            <a:spLocks noGrp="1"/>
+          </p:cNvSpPr>
+          <p:nvPr>
+            <p:ph idx="1"/>
+          </p:nvPr>
+        </p:nvSpPr>
+        <p:spPr/>
+        <p:txBody>
+          <a:bodyPr/>
+          <a:lstStyle/>
+          <a:p>
+            <a:endParaRPr lang="en-US"/>
+          </a:p>
+        </p:txBody>
+      </p:sp>
+    </p:spTree>
+    <p:extLst>
+      <p:ext uri="{BB962C8B-B14F-4D97-AF65-F5344CB8AC3E}">
+        <p14:creationId xmlns:p14="http://schemas.microsoft.com/office/powerpoint/2010/main" val="445160827"/>
+      </p:ext>
+    </p:extLst>
+  </p:cSld>
+  <p:clrMapOvr>
+    <a:masterClrMapping/>
+  </p:clrMapOvr>
+</p:sld>
+</file>
+
 <file path=ppt/slides/slide2.xml><?xml version="1.0" encoding="utf-8"?>
 <p:sld xmlns:a="http://schemas.openxmlformats.org/drawingml/2006/main" xmlns:r="http://schemas.openxmlformats.org/officeDocument/2006/relationships" xmlns:p="http://schemas.openxmlformats.org/presentationml/2006/main">
   <p:cSld>
